--- a/2020-05-05 Neruの空想世界/Neruの空想世界.pptx
+++ b/2020-05-05 Neruの空想世界/Neruの空想世界.pptx
@@ -290,7 +290,7 @@
           <a:p>
             <a:fld id="{92FE3FDA-7438-49A9-A922-71DC67B937C6}" type="datetimeFigureOut">
               <a:rPr kumimoji="1" lang="ja-JP" altLang="en-US" smtClean="0"/>
-              <a:t>2020/5/3</a:t>
+              <a:t>2020/5/6</a:t>
             </a:fld>
             <a:endParaRPr kumimoji="1" lang="ja-JP" altLang="en-US"/>
           </a:p>
@@ -898,7 +898,7 @@
             </a:r>
             <a:r>
               <a:rPr kumimoji="1" lang="zh-CN" altLang="en-US" dirty="0"/>
-              <a:t>： 他？你？你们？我们？</a:t>
+              <a:t>： 他？你们？我们？</a:t>
             </a:r>
             <a:endParaRPr kumimoji="1" lang="ja-JP" altLang="en-US" dirty="0"/>
           </a:p>
@@ -1657,7 +1657,15 @@
           <a:p>
             <a:r>
               <a:rPr kumimoji="1" lang="zh-CN" altLang="en-US" dirty="0"/>
-              <a:t>同类曲目 拟剧论</a:t>
+              <a:t>同类曲目 </a:t>
+            </a:r>
+            <a:r>
+              <a:rPr kumimoji="1" lang="en-US" altLang="zh-CN" dirty="0"/>
+              <a:t>Eve</a:t>
+            </a:r>
+            <a:r>
+              <a:rPr kumimoji="1" lang="zh-CN" altLang="en-US" dirty="0"/>
+              <a:t>拟剧论</a:t>
             </a:r>
             <a:r>
               <a:rPr kumimoji="1" lang="en-US" altLang="zh-CN" dirty="0"/>
@@ -4075,13 +4083,6 @@
             <a:endParaRPr kumimoji="1" lang="en-US" altLang="zh-CN" dirty="0"/>
           </a:p>
           <a:p>
-            <a:r>
-              <a:rPr kumimoji="1" lang="zh-CN" altLang="en-US" dirty="0"/>
-              <a:t>蒙太奇侧重镜头间叙事逻辑如何连接，转场侧重镜头间技术上如何过度</a:t>
-            </a:r>
-            <a:endParaRPr kumimoji="1" lang="en-US" altLang="zh-CN" dirty="0"/>
-          </a:p>
-          <a:p>
             <a:pPr marL="0" marR="0" lvl="0" indent="0" algn="l" defTabSz="914400" rtl="0" eaLnBrk="1" fontAlgn="auto" latinLnBrk="0" hangingPunct="1">
               <a:lnSpc>
                 <a:spcPct val="100000"/>
@@ -4100,6 +4101,14 @@
               <a:defRPr/>
             </a:pPr>
             <a:r>
+              <a:rPr kumimoji="1" lang="zh-CN" altLang="en-US" dirty="0"/>
+              <a:t>蒙太奇侧重镜头间叙事逻辑如何连接</a:t>
+            </a:r>
+            <a:r>
+              <a:rPr kumimoji="1" lang="en-US" altLang="zh-CN" dirty="0"/>
+              <a:t>(</a:t>
+            </a:r>
+            <a:r>
               <a:rPr kumimoji="1" lang="en-US" altLang="ja-JP" dirty="0"/>
               <a:t>*</a:t>
             </a:r>
@@ -4123,7 +4132,58 @@
               <a:rPr lang="zh-CN" altLang="en-US" dirty="0"/>
               <a:t>的</a:t>
             </a:r>
-            <a:endParaRPr lang="en-US" altLang="zh-CN" dirty="0"/>
+            <a:r>
+              <a:rPr kumimoji="1" lang="en-US" altLang="zh-CN" dirty="0"/>
+              <a:t>)</a:t>
+            </a:r>
+            <a:r>
+              <a:rPr kumimoji="1" lang="zh-CN" altLang="en-US" dirty="0"/>
+              <a:t>，转场侧重镜头间技术上如何过度</a:t>
+            </a:r>
+            <a:endParaRPr kumimoji="1" lang="en-US" altLang="zh-CN" dirty="0"/>
+          </a:p>
+          <a:p>
+            <a:pPr marL="0" marR="0" lvl="0" indent="0" algn="l" defTabSz="914400" rtl="0" eaLnBrk="1" fontAlgn="auto" latinLnBrk="0" hangingPunct="1">
+              <a:lnSpc>
+                <a:spcPct val="100000"/>
+              </a:lnSpc>
+              <a:spcBef>
+                <a:spcPts val="0"/>
+              </a:spcBef>
+              <a:spcAft>
+                <a:spcPts val="0"/>
+              </a:spcAft>
+              <a:buClrTx/>
+              <a:buSzTx/>
+              <a:buFontTx/>
+              <a:buNone/>
+              <a:tabLst/>
+              <a:defRPr/>
+            </a:pPr>
+            <a:r>
+              <a:rPr lang="zh-CN" altLang="en-US" dirty="0"/>
+              <a:t>镜头之外的故事 细田守</a:t>
+            </a:r>
+            <a:r>
+              <a:rPr lang="en-US" altLang="zh-CN" dirty="0"/>
+              <a:t>《</a:t>
+            </a:r>
+            <a:r>
+              <a:rPr lang="zh-CN" altLang="en-US" dirty="0"/>
+              <a:t>穿越时空的少女</a:t>
+            </a:r>
+            <a:r>
+              <a:rPr lang="en-US" altLang="zh-CN" dirty="0"/>
+              <a:t>》(4:10)</a:t>
+            </a:r>
+            <a:r>
+              <a:rPr lang="zh-CN" altLang="en-US" dirty="0"/>
+              <a:t>：</a:t>
+            </a:r>
+            <a:r>
+              <a:rPr lang="en-US" altLang="zh-CN" dirty="0"/>
+              <a:t>https://www.bilibili.com/video/BV1ZW411C7Rg</a:t>
+            </a:r>
           </a:p>
         </p:txBody>
       </p:sp>
@@ -5087,7 +5147,7 @@
           <a:p>
             <a:fld id="{A6058805-1A1A-4901-902E-2E8B0736C531}" type="datetimeFigureOut">
               <a:rPr kumimoji="1" lang="ja-JP" altLang="en-US" smtClean="0"/>
-              <a:t>2020/5/3</a:t>
+              <a:t>2020/5/6</a:t>
             </a:fld>
             <a:endParaRPr kumimoji="1" lang="ja-JP" altLang="en-US"/>
           </a:p>
@@ -5317,7 +5377,7 @@
           <a:p>
             <a:fld id="{A6058805-1A1A-4901-902E-2E8B0736C531}" type="datetimeFigureOut">
               <a:rPr kumimoji="1" lang="ja-JP" altLang="en-US" smtClean="0"/>
-              <a:t>2020/5/3</a:t>
+              <a:t>2020/5/6</a:t>
             </a:fld>
             <a:endParaRPr kumimoji="1" lang="ja-JP" altLang="en-US"/>
           </a:p>
@@ -5557,7 +5617,7 @@
           <a:p>
             <a:fld id="{A6058805-1A1A-4901-902E-2E8B0736C531}" type="datetimeFigureOut">
               <a:rPr kumimoji="1" lang="ja-JP" altLang="en-US" smtClean="0"/>
-              <a:t>2020/5/3</a:t>
+              <a:t>2020/5/6</a:t>
             </a:fld>
             <a:endParaRPr kumimoji="1" lang="ja-JP" altLang="en-US"/>
           </a:p>
@@ -5787,7 +5847,7 @@
           <a:p>
             <a:fld id="{A6058805-1A1A-4901-902E-2E8B0736C531}" type="datetimeFigureOut">
               <a:rPr kumimoji="1" lang="ja-JP" altLang="en-US" smtClean="0"/>
-              <a:t>2020/5/3</a:t>
+              <a:t>2020/5/6</a:t>
             </a:fld>
             <a:endParaRPr kumimoji="1" lang="ja-JP" altLang="en-US"/>
           </a:p>
@@ -6062,7 +6122,7 @@
           <a:p>
             <a:fld id="{A6058805-1A1A-4901-902E-2E8B0736C531}" type="datetimeFigureOut">
               <a:rPr kumimoji="1" lang="ja-JP" altLang="en-US" smtClean="0"/>
-              <a:t>2020/5/3</a:t>
+              <a:t>2020/5/6</a:t>
             </a:fld>
             <a:endParaRPr kumimoji="1" lang="ja-JP" altLang="en-US"/>
           </a:p>
@@ -6391,7 +6451,7 @@
           <a:p>
             <a:fld id="{A6058805-1A1A-4901-902E-2E8B0736C531}" type="datetimeFigureOut">
               <a:rPr kumimoji="1" lang="ja-JP" altLang="en-US" smtClean="0"/>
-              <a:t>2020/5/3</a:t>
+              <a:t>2020/5/6</a:t>
             </a:fld>
             <a:endParaRPr kumimoji="1" lang="ja-JP" altLang="en-US"/>
           </a:p>
@@ -6867,7 +6927,7 @@
           <a:p>
             <a:fld id="{A6058805-1A1A-4901-902E-2E8B0736C531}" type="datetimeFigureOut">
               <a:rPr kumimoji="1" lang="ja-JP" altLang="en-US" smtClean="0"/>
-              <a:t>2020/5/3</a:t>
+              <a:t>2020/5/6</a:t>
             </a:fld>
             <a:endParaRPr kumimoji="1" lang="ja-JP" altLang="en-US"/>
           </a:p>
@@ -7008,7 +7068,7 @@
           <a:p>
             <a:fld id="{A6058805-1A1A-4901-902E-2E8B0736C531}" type="datetimeFigureOut">
               <a:rPr kumimoji="1" lang="ja-JP" altLang="en-US" smtClean="0"/>
-              <a:t>2020/5/3</a:t>
+              <a:t>2020/5/6</a:t>
             </a:fld>
             <a:endParaRPr kumimoji="1" lang="ja-JP" altLang="en-US"/>
           </a:p>
@@ -7121,7 +7181,7 @@
           <a:p>
             <a:fld id="{A6058805-1A1A-4901-902E-2E8B0736C531}" type="datetimeFigureOut">
               <a:rPr kumimoji="1" lang="ja-JP" altLang="en-US" smtClean="0"/>
-              <a:t>2020/5/3</a:t>
+              <a:t>2020/5/6</a:t>
             </a:fld>
             <a:endParaRPr kumimoji="1" lang="ja-JP" altLang="en-US"/>
           </a:p>
@@ -7464,7 +7524,7 @@
           <a:p>
             <a:fld id="{A6058805-1A1A-4901-902E-2E8B0736C531}" type="datetimeFigureOut">
               <a:rPr kumimoji="1" lang="ja-JP" altLang="en-US" smtClean="0"/>
-              <a:t>2020/5/3</a:t>
+              <a:t>2020/5/6</a:t>
             </a:fld>
             <a:endParaRPr kumimoji="1" lang="ja-JP" altLang="en-US"/>
           </a:p>
@@ -7752,7 +7812,7 @@
           <a:p>
             <a:fld id="{A6058805-1A1A-4901-902E-2E8B0736C531}" type="datetimeFigureOut">
               <a:rPr kumimoji="1" lang="ja-JP" altLang="en-US" smtClean="0"/>
-              <a:t>2020/5/3</a:t>
+              <a:t>2020/5/6</a:t>
             </a:fld>
             <a:endParaRPr kumimoji="1" lang="ja-JP" altLang="en-US"/>
           </a:p>
@@ -8025,7 +8085,7 @@
           <a:p>
             <a:fld id="{A6058805-1A1A-4901-902E-2E8B0736C531}" type="datetimeFigureOut">
               <a:rPr kumimoji="1" lang="ja-JP" altLang="en-US" smtClean="0"/>
-              <a:t>2020/5/3</a:t>
+              <a:t>2020/5/6</a:t>
             </a:fld>
             <a:endParaRPr kumimoji="1" lang="ja-JP" altLang="en-US"/>
           </a:p>
@@ -13063,7 +13123,7 @@
             </a:pPr>
             <a:r>
               <a:rPr lang="zh-CN" altLang="en-US" sz="1400" dirty="0"/>
-              <a:t>如果不编织出一个谎言 将那份味道占有</a:t>
+              <a:t>如果不编织出一个道占有谎言 将那份味</a:t>
             </a:r>
           </a:p>
           <a:p>
@@ -17927,7 +17987,7 @@
             </a:pPr>
             <a:r>
               <a:rPr lang="zh-CN" altLang="en-US" sz="2400" dirty="0"/>
-              <a:t>眺望着流星随波逐流 </a:t>
+              <a:t>眺望着流星随波逐流</a:t>
             </a:r>
           </a:p>
           <a:p>
@@ -17936,7 +17996,7 @@
             </a:pPr>
             <a:r>
               <a:rPr lang="zh-CN" altLang="en-US" sz="2400" dirty="0"/>
-              <a:t>将白色旗子滴上墨汁 </a:t>
+              <a:t>将白色旗子滴上墨汁</a:t>
             </a:r>
           </a:p>
           <a:p>
@@ -17960,7 +18020,7 @@
             </a:pPr>
             <a:r>
               <a:rPr lang="zh-CN" altLang="en-US" sz="2400" dirty="0"/>
-              <a:t>入睡的我想起了 </a:t>
+              <a:t>入睡的我想起了</a:t>
             </a:r>
           </a:p>
           <a:p>
@@ -17969,7 +18029,7 @@
             </a:pPr>
             <a:r>
               <a:rPr lang="zh-CN" altLang="en-US" sz="2400" dirty="0"/>
-              <a:t>自立体声的回忆之中 </a:t>
+              <a:t>自立体声的回忆之中</a:t>
             </a:r>
           </a:p>
           <a:p>
@@ -21677,14 +21737,14 @@
             <p:ph idx="1"/>
             <p:extLst>
               <p:ext uri="{D42A27DB-BD31-4B8C-83A1-F6EECF244321}">
-                <p14:modId xmlns:p14="http://schemas.microsoft.com/office/powerpoint/2010/main" val="1904574146"/>
+                <p14:modId xmlns:p14="http://schemas.microsoft.com/office/powerpoint/2010/main" val="3151648994"/>
               </p:ext>
             </p:extLst>
           </p:nvPr>
         </p:nvGraphicFramePr>
         <p:xfrm>
-          <a:off x="0" y="1767838"/>
-          <a:ext cx="12192000" cy="5090160"/>
+          <a:off x="-20097" y="1767838"/>
+          <a:ext cx="12212097" cy="5090160"/>
         </p:xfrm>
         <a:graphic>
           <a:graphicData uri="http://schemas.openxmlformats.org/drawingml/2006/table">
@@ -21693,7 +21753,7 @@
                 <a:tableStyleId>{5C22544A-7EE6-4342-B048-85BDC9FD1C3A}</a:tableStyleId>
               </a:tblPr>
               <a:tblGrid>
-                <a:gridCol w="651753">
+                <a:gridCol w="671850">
                   <a:extLst>
                     <a:ext uri="{9D8B030D-6E8A-4147-A177-3AD203B41FA5}">
                       <a16:colId xmlns:a16="http://schemas.microsoft.com/office/drawing/2014/main" val="67308309"/>
